--- a/report/Bortolotti_DeCenzo_Marignati_Slides.pptx
+++ b/report/Bortolotti_DeCenzo_Marignati_Slides.pptx
@@ -36132,13 +36132,21 @@
         </p:spPr>
         <p:txBody>
           <a:bodyPr>
-            <a:normAutofit/>
+            <a:normAutofit fontScale="90000"/>
           </a:bodyPr>
           <a:lstStyle/>
           <a:p>
             <a:r>
               <a:rPr lang="it-IT" dirty="0"/>
-              <a:t>Conclusioni (5) – Differenze con Android</a:t>
+              <a:t>Conclusioni (5) – Differenze </a:t>
+            </a:r>
+            <a:r>
+              <a:rPr lang="it-IT"/>
+              <a:t>e analogie con </a:t>
+            </a:r>
+            <a:r>
+              <a:rPr lang="it-IT" dirty="0"/>
+              <a:t>Android</a:t>
             </a:r>
           </a:p>
         </p:txBody>

--- a/report/Bortolotti_DeCenzo_Marignati_Slides.pptx
+++ b/report/Bortolotti_DeCenzo_Marignati_Slides.pptx
@@ -36283,14 +36283,14 @@
             <p:ph idx="1"/>
             <p:extLst>
               <p:ext uri="{D42A27DB-BD31-4B8C-83A1-F6EECF244321}">
-                <p14:modId xmlns:p14="http://schemas.microsoft.com/office/powerpoint/2010/main" val="3084547927"/>
+                <p14:modId xmlns:p14="http://schemas.microsoft.com/office/powerpoint/2010/main" val="1906940693"/>
               </p:ext>
             </p:extLst>
           </p:nvPr>
         </p:nvGraphicFramePr>
         <p:xfrm>
           <a:off x="1286933" y="1500326"/>
-          <a:ext cx="10197495" cy="4564327"/>
+          <a:ext cx="10197495" cy="4600756"/>
         </p:xfrm>
         <a:graphic>
           <a:graphicData uri="http://schemas.openxmlformats.org/drawingml/2006/table">
@@ -36604,18 +36604,51 @@
                     <a:bodyPr/>
                     <a:lstStyle/>
                     <a:p>
+                      <a:pPr marL="0" marR="0" lvl="0" indent="0" algn="l" defTabSz="457200" rtl="0" eaLnBrk="1" fontAlgn="auto" latinLnBrk="0" hangingPunct="1">
+                        <a:lnSpc>
+                          <a:spcPct val="100000"/>
+                        </a:lnSpc>
+                        <a:spcBef>
+                          <a:spcPts val="0"/>
+                        </a:spcBef>
+                        <a:spcAft>
+                          <a:spcPts val="0"/>
+                        </a:spcAft>
+                        <a:buClrTx/>
+                        <a:buSzTx/>
+                        <a:buFontTx/>
+                        <a:buNone/>
+                        <a:tabLst/>
+                        <a:defRPr/>
+                      </a:pPr>
                       <a:r>
-                        <a:rPr lang="it-IT" sz="1100"/>
+                        <a:rPr lang="it-IT" sz="1100" dirty="0"/>
                         <a:t>La corrispettiva astrazione delle </a:t>
                       </a:r>
                       <a:r>
-                        <a:rPr lang="it-IT" sz="1100" err="1"/>
+                        <a:rPr lang="it-IT" sz="1100" dirty="0" err="1"/>
                         <a:t>View</a:t>
                       </a:r>
                       <a:r>
-                        <a:rPr lang="it-IT" sz="1100"/>
+                        <a:rPr lang="it-IT" sz="1100" dirty="0"/>
                         <a:t> in Flutter sono le Widget.</a:t>
                       </a:r>
+                      <a:r>
+                        <a:rPr lang="it-IT" sz="1100" kern="1200" dirty="0">
+                          <a:solidFill>
+                            <a:schemeClr val="dk1"/>
+                          </a:solidFill>
+                          <a:effectLst/>
+                          <a:latin typeface="+mn-lt"/>
+                          <a:ea typeface="+mn-ea"/>
+                          <a:cs typeface="+mn-cs"/>
+                        </a:rPr>
+                        <a:t> Le informazioni di layout vengono specificate dal widget singolarmente man mano che vengono modellate per essere più performante ed intuitivo.</a:t>
+                      </a:r>
+                      <a:endParaRPr lang="it-IT" sz="1100" dirty="0"/>
+                    </a:p>
+                    <a:p>
+                      <a:endParaRPr lang="it-IT" sz="1100" dirty="0"/>
                     </a:p>
                   </a:txBody>
                   <a:tcPr marL="53968" marR="53968" marT="26984" marB="26984"/>
@@ -36711,38 +36744,6 @@
                         </a:rPr>
                         <a:t> per navigare tra le schermate. </a:t>
                       </a:r>
-                    </a:p>
-                    <a:p>
-                      <a:pPr marL="0" marR="0" lvl="0" indent="0" algn="l" defTabSz="457200" rtl="0" eaLnBrk="1" fontAlgn="auto" latinLnBrk="0" hangingPunct="1">
-                        <a:lnSpc>
-                          <a:spcPct val="100000"/>
-                        </a:lnSpc>
-                        <a:spcBef>
-                          <a:spcPts val="0"/>
-                        </a:spcBef>
-                        <a:spcAft>
-                          <a:spcPts val="0"/>
-                        </a:spcAft>
-                        <a:buClrTx/>
-                        <a:buSzTx/>
-                        <a:buFontTx/>
-                        <a:buNone/>
-                        <a:tabLst/>
-                        <a:defRPr/>
-                      </a:pPr>
-                      <a:r>
-                        <a:rPr lang="it-IT" sz="1100" kern="1200" dirty="0">
-                          <a:solidFill>
-                            <a:schemeClr val="dk1"/>
-                          </a:solidFill>
-                          <a:effectLst/>
-                          <a:latin typeface="+mn-lt"/>
-                          <a:ea typeface="+mn-ea"/>
-                          <a:cs typeface="+mn-cs"/>
-                        </a:rPr>
-                        <a:t>Le informazioni di layout vengono specificate dal widget singolarmente man mano che vengono modellate per essere più performante ed intuitivo.</a:t>
-                      </a:r>
-                      <a:endParaRPr lang="it-IT" sz="1100" dirty="0"/>
                     </a:p>
                   </a:txBody>
                   <a:tcPr marL="53968" marR="53968" marT="26984" marB="26984"/>
